--- a/features/steps/test_files/cht-legend-props.pptx
+++ b/features/steps/test_files/cht-legend-props.pptx
@@ -614,8 +614,8 @@
       <c:legendPos val="r"/>
       <c:layout>
         <c:manualLayout>
-          <c:xMode val="edge"/>
-          <c:yMode val="edge"/>
+          <c:xMode val="factor"/>
+          <c:yMode val="factor"/>
           <c:x val="-0.5"/>
         </c:manualLayout>
       </c:layout>
@@ -883,8 +883,8 @@
       <c:legendPos val="r"/>
       <c:layout>
         <c:manualLayout>
-          <c:xMode val="edge"/>
-          <c:yMode val="edge"/>
+          <c:xMode val="factor"/>
+          <c:yMode val="factor"/>
           <c:x val="0.42"/>
         </c:manualLayout>
       </c:layout>

--- a/features/steps/test_files/cht-legend-props.pptx
+++ b/features/steps/test_files/cht-legend-props.pptx
@@ -350,7 +350,6 @@
     <c:legend>
       <c:legendPos val="r"/>
       <c:layout/>
-      <c:overlay val="0"/>
     </c:legend>
     <c:plotVisOnly val="1"/>
     <c:dispBlanksAs val="gap"/>
@@ -619,7 +618,7 @@
           <c:x val="-0.5"/>
         </c:manualLayout>
       </c:layout>
-      <c:overlay val="0"/>
+      <c:overlay val="1"/>
     </c:legend>
     <c:plotVisOnly val="1"/>
     <c:dispBlanksAs val="gap"/>

--- a/features/steps/test_files/cht-legend-props.pptx
+++ b/features/steps/test_files/cht-legend-props.pptx
@@ -348,7 +348,6 @@
       </c:valAx>
     </c:plotArea>
     <c:legend>
-      <c:legendPos val="r"/>
       <c:layout/>
     </c:legend>
     <c:plotVisOnly val="1"/>
@@ -610,7 +609,7 @@
       </c:valAx>
     </c:plotArea>
     <c:legend>
-      <c:legendPos val="r"/>
+      <c:legendPos val="b"/>
       <c:layout>
         <c:manualLayout>
           <c:xMode val="factor"/>
